--- a/Extra material/Sentiment-Volatility regression hypothesis testing.pptx
+++ b/Extra material/Sentiment-Volatility regression hypothesis testing.pptx
@@ -107,6 +107,11 @@
       </a:defRPr>
     </a:lvl9pPr>
   </p:defaultTextStyle>
+  <p:extLst>
+    <p:ext uri="{EFAFB233-063F-42B5-8137-9DF3F51BA10A}">
+      <p15:sldGuideLst xmlns:p15="http://schemas.microsoft.com/office/powerpoint/2012/main"/>
+    </p:ext>
+  </p:extLst>
 </p:presentation>
 </file>
 
@@ -123,12 +128,12 @@
   <pc:docChgLst>
     <pc:chgData name="Antonis Mavritsakis" userId="1dc5bbb0-533b-41a8-9a3d-f10860421a24" providerId="ADAL" clId="{2D21ECE3-BA3F-40D8-B783-BA1BBE3C0DE1}"/>
     <pc:docChg chg="undo redo custSel delSld modSld sldOrd">
-      <pc:chgData name="Antonis Mavritsakis" userId="1dc5bbb0-533b-41a8-9a3d-f10860421a24" providerId="ADAL" clId="{2D21ECE3-BA3F-40D8-B783-BA1BBE3C0DE1}" dt="2022-05-15T12:44:08.325" v="2098" actId="113"/>
+      <pc:chgData name="Antonis Mavritsakis" userId="1dc5bbb0-533b-41a8-9a3d-f10860421a24" providerId="ADAL" clId="{2D21ECE3-BA3F-40D8-B783-BA1BBE3C0DE1}" dt="2022-05-15T16:09:09.175" v="2099" actId="5793"/>
       <pc:docMkLst>
         <pc:docMk/>
       </pc:docMkLst>
       <pc:sldChg chg="addSp delSp modSp mod">
-        <pc:chgData name="Antonis Mavritsakis" userId="1dc5bbb0-533b-41a8-9a3d-f10860421a24" providerId="ADAL" clId="{2D21ECE3-BA3F-40D8-B783-BA1BBE3C0DE1}" dt="2022-05-15T12:28:29.989" v="1110"/>
+        <pc:chgData name="Antonis Mavritsakis" userId="1dc5bbb0-533b-41a8-9a3d-f10860421a24" providerId="ADAL" clId="{2D21ECE3-BA3F-40D8-B783-BA1BBE3C0DE1}" dt="2022-05-15T16:09:09.175" v="2099" actId="5793"/>
         <pc:sldMkLst>
           <pc:docMk/>
           <pc:sldMk cId="3094630613" sldId="256"/>
@@ -142,7 +147,7 @@
           </ac:spMkLst>
         </pc:spChg>
         <pc:spChg chg="add mod">
-          <ac:chgData name="Antonis Mavritsakis" userId="1dc5bbb0-533b-41a8-9a3d-f10860421a24" providerId="ADAL" clId="{2D21ECE3-BA3F-40D8-B783-BA1BBE3C0DE1}" dt="2022-05-15T12:28:28.803" v="1108" actId="20577"/>
+          <ac:chgData name="Antonis Mavritsakis" userId="1dc5bbb0-533b-41a8-9a3d-f10860421a24" providerId="ADAL" clId="{2D21ECE3-BA3F-40D8-B783-BA1BBE3C0DE1}" dt="2022-05-15T16:09:09.175" v="2099" actId="5793"/>
           <ac:spMkLst>
             <pc:docMk/>
             <pc:sldMk cId="3094630613" sldId="256"/>
@@ -3495,10 +3500,6 @@
             </a:r>
           </a:p>
           <a:p>
-            <a:pPr marL="285750" indent="-285750">
-              <a:buFont typeface="Arial" panose="020B0604020202020204" pitchFamily="34" charset="0"/>
-              <a:buChar char="•"/>
-            </a:pPr>
             <a:endParaRPr lang="en-US" dirty="0"/>
           </a:p>
           <a:p>
@@ -3731,8 +3732,8 @@
           <a:chExt cx="0" cy="0"/>
         </a:xfrm>
       </p:grpSpPr>
-      <mc:AlternateContent xmlns:mc="http://schemas.openxmlformats.org/markup-compatibility/2006">
-        <mc:Choice xmlns:a14="http://schemas.microsoft.com/office/drawing/2010/main" Requires="a14">
+      <mc:AlternateContent xmlns:mc="http://schemas.openxmlformats.org/markup-compatibility/2006" xmlns:a14="http://schemas.microsoft.com/office/drawing/2010/main">
+        <mc:Choice Requires="a14">
           <p:sp>
             <p:nvSpPr>
               <p:cNvPr id="2" name="TextBox 1">
@@ -4411,13 +4412,7 @@
                       <a:rPr lang="en-US" b="0" i="1" smtClean="0">
                         <a:latin typeface="Cambria Math" panose="02040503050406030204" pitchFamily="18" charset="0"/>
                       </a:rPr>
-                      <m:t>:</m:t>
-                    </m:r>
-                    <m:r>
-                      <a:rPr lang="en-US" b="0" i="1" smtClean="0">
-                        <a:latin typeface="Cambria Math" panose="02040503050406030204" pitchFamily="18" charset="0"/>
-                      </a:rPr>
-                      <m:t> </m:t>
+                      <m:t>: </m:t>
                     </m:r>
                     <m:nary>
                       <m:naryPr>
@@ -4516,7 +4511,7 @@
             </p:txBody>
           </p:sp>
         </mc:Choice>
-        <mc:Fallback>
+        <mc:Fallback xmlns="">
           <p:sp>
             <p:nvSpPr>
               <p:cNvPr id="2" name="TextBox 1">

--- a/Extra material/Sentiment-Volatility regression hypothesis testing.pptx
+++ b/Extra material/Sentiment-Volatility regression hypothesis testing.pptx
@@ -118,7 +118,7 @@
 <file path=ppt/revisionInfo.xml><?xml version="1.0" encoding="utf-8"?>
 <p1510:revInfo xmlns:a="http://schemas.openxmlformats.org/drawingml/2006/main" xmlns:r="http://schemas.openxmlformats.org/officeDocument/2006/relationships" xmlns:p1510="http://schemas.microsoft.com/office/powerpoint/2015/10/main">
   <p1510:revLst>
-    <p1510:client id="{2D21ECE3-BA3F-40D8-B783-BA1BBE3C0DE1}" v="343" dt="2022-05-15T12:38:58.429"/>
+    <p1510:client id="{2D21ECE3-BA3F-40D8-B783-BA1BBE3C0DE1}" v="344" dt="2022-05-15T20:09:58.051"/>
   </p1510:revLst>
 </p1510:revInfo>
 </file>
@@ -128,7 +128,7 @@
   <pc:docChgLst>
     <pc:chgData name="Antonis Mavritsakis" userId="1dc5bbb0-533b-41a8-9a3d-f10860421a24" providerId="ADAL" clId="{2D21ECE3-BA3F-40D8-B783-BA1BBE3C0DE1}"/>
     <pc:docChg chg="undo redo custSel delSld modSld sldOrd">
-      <pc:chgData name="Antonis Mavritsakis" userId="1dc5bbb0-533b-41a8-9a3d-f10860421a24" providerId="ADAL" clId="{2D21ECE3-BA3F-40D8-B783-BA1BBE3C0DE1}" dt="2022-05-15T16:09:09.175" v="2099" actId="5793"/>
+      <pc:chgData name="Antonis Mavritsakis" userId="1dc5bbb0-533b-41a8-9a3d-f10860421a24" providerId="ADAL" clId="{2D21ECE3-BA3F-40D8-B783-BA1BBE3C0DE1}" dt="2022-05-15T20:10:12.274" v="2112" actId="20577"/>
       <pc:docMkLst>
         <pc:docMk/>
       </pc:docMkLst>
@@ -156,13 +156,13 @@
         </pc:spChg>
       </pc:sldChg>
       <pc:sldChg chg="addSp modSp mod ord">
-        <pc:chgData name="Antonis Mavritsakis" userId="1dc5bbb0-533b-41a8-9a3d-f10860421a24" providerId="ADAL" clId="{2D21ECE3-BA3F-40D8-B783-BA1BBE3C0DE1}" dt="2022-05-15T12:42:01.016" v="1787"/>
+        <pc:chgData name="Antonis Mavritsakis" userId="1dc5bbb0-533b-41a8-9a3d-f10860421a24" providerId="ADAL" clId="{2D21ECE3-BA3F-40D8-B783-BA1BBE3C0DE1}" dt="2022-05-15T20:10:12.274" v="2112" actId="20577"/>
         <pc:sldMkLst>
           <pc:docMk/>
           <pc:sldMk cId="1385168048" sldId="257"/>
         </pc:sldMkLst>
         <pc:spChg chg="add mod">
-          <ac:chgData name="Antonis Mavritsakis" userId="1dc5bbb0-533b-41a8-9a3d-f10860421a24" providerId="ADAL" clId="{2D21ECE3-BA3F-40D8-B783-BA1BBE3C0DE1}" dt="2022-05-15T12:35:18.522" v="1402" actId="14100"/>
+          <ac:chgData name="Antonis Mavritsakis" userId="1dc5bbb0-533b-41a8-9a3d-f10860421a24" providerId="ADAL" clId="{2D21ECE3-BA3F-40D8-B783-BA1BBE3C0DE1}" dt="2022-05-15T20:10:12.274" v="2112" actId="20577"/>
           <ac:spMkLst>
             <pc:docMk/>
             <pc:sldMk cId="1385168048" sldId="257"/>
@@ -3732,8 +3732,8 @@
           <a:chExt cx="0" cy="0"/>
         </a:xfrm>
       </p:grpSpPr>
-      <mc:AlternateContent xmlns:mc="http://schemas.openxmlformats.org/markup-compatibility/2006" xmlns:a14="http://schemas.microsoft.com/office/drawing/2010/main">
-        <mc:Choice Requires="a14">
+      <mc:AlternateContent xmlns:mc="http://schemas.openxmlformats.org/markup-compatibility/2006">
+        <mc:Choice xmlns:a14="http://schemas.microsoft.com/office/drawing/2010/main" Requires="a14">
           <p:sp>
             <p:nvSpPr>
               <p:cNvPr id="2" name="TextBox 1">
@@ -4412,7 +4412,7 @@
                       <a:rPr lang="en-US" b="0" i="1" smtClean="0">
                         <a:latin typeface="Cambria Math" panose="02040503050406030204" pitchFamily="18" charset="0"/>
                       </a:rPr>
-                      <m:t>: </m:t>
+                      <m:t>:</m:t>
                     </m:r>
                     <m:nary>
                       <m:naryPr>
@@ -4505,13 +4505,20 @@
                 </a:pPr>
                 <a:r>
                   <a:rPr lang="en-US" dirty="0"/>
-                  <a:t>Accumulated error must be regulated.</a:t>
+                  <a:t>Accumulated error must be regulated </a:t>
                 </a:r>
+                <a:r>
+                  <a:rPr lang="en-US" dirty="0">
+                    <a:sym typeface="Wingdings" panose="05000000000000000000" pitchFamily="2" charset="2"/>
+                  </a:rPr>
+                  <a:t> ANOVA</a:t>
+                </a:r>
+                <a:endParaRPr lang="en-US" dirty="0"/>
               </a:p>
             </p:txBody>
           </p:sp>
         </mc:Choice>
-        <mc:Fallback xmlns="">
+        <mc:Fallback>
           <p:sp>
             <p:nvSpPr>
               <p:cNvPr id="2" name="TextBox 1">
